--- a/restricted/slides5m.pptx
+++ b/restricted/slides5m.pptx
@@ -2738,22 +2738,7 @@
                 <a:uFillTx/>
                 <a:latin typeface="Comic Sans MS" pitchFamily="66" charset="0"/>
               </a:rPr>
-              <a:t>Albert R Meyer,</a:t>
-            </a:r>
-            <a:r>
-              <a:rPr kumimoji="0" lang="en-US" sz="1200" b="0" i="0" u="none" strike="noStrike" kern="1200" cap="none" spc="0" normalizeH="0" baseline="0" noProof="0" dirty="0" smtClean="0">
-                <a:ln>
-                  <a:noFill/>
-                </a:ln>
-                <a:solidFill>
-                  <a:schemeClr val="tx1"/>
-                </a:solidFill>
-                <a:effectLst/>
-                <a:uLnTx/>
-                <a:uFillTx/>
-                <a:latin typeface="Comic Sans MS" pitchFamily="66" charset="0"/>
-              </a:rPr>
-              <a:t> March 1, 2010</a:t>
+              <a:t>Albert R Meyer, March 1, 2010</a:t>
             </a:r>
             <a:endParaRPr kumimoji="0" lang="en-US" sz="1200" b="0" i="0" u="none" strike="noStrike" kern="1200" cap="none" spc="0" normalizeH="0" baseline="0" noProof="0" dirty="0">
               <a:ln>
@@ -5295,8 +5280,8 @@
         </p:nvSpPr>
         <p:spPr bwMode="auto">
           <a:xfrm>
-            <a:off x="8349698" y="6553200"/>
-            <a:ext cx="794308" cy="246221"/>
+            <a:off x="8390337" y="6553200"/>
+            <a:ext cx="753669" cy="246221"/>
           </a:xfrm>
           <a:prstGeom prst="rect">
             <a:avLst/>
@@ -5368,7 +5353,7 @@
                 <a:ea typeface="+mn-ea"/>
                 <a:cs typeface="+mn-cs"/>
               </a:rPr>
-              <a:t> 7W.</a:t>
+              <a:t> 5M.</a:t>
             </a:r>
             <a:fld id="{B5B77044-B6D2-4171-A09C-C512413DA1DA}" type="slidenum">
               <a:rPr kumimoji="0" lang="en-US" sz="1000" b="0" i="0" u="none" strike="noStrike" kern="1200" cap="none" spc="0" normalizeH="0" baseline="0" noProof="0" smtClean="0">
@@ -7130,8 +7115,8 @@
         </p:nvSpPr>
         <p:spPr bwMode="auto">
           <a:xfrm>
-            <a:off x="8349698" y="6553200"/>
-            <a:ext cx="794308" cy="246221"/>
+            <a:off x="8410875" y="6553200"/>
+            <a:ext cx="733131" cy="246221"/>
           </a:xfrm>
           <a:prstGeom prst="rect">
             <a:avLst/>
@@ -7203,7 +7188,7 @@
                 <a:ea typeface="+mn-ea"/>
                 <a:cs typeface="+mn-cs"/>
               </a:rPr>
-              <a:t> 7W.</a:t>
+              <a:t> 5M.</a:t>
             </a:r>
             <a:fld id="{B5B77044-B6D2-4171-A09C-C512413DA1DA}" type="slidenum">
               <a:rPr kumimoji="0" lang="en-US" sz="1000" b="0" i="0" u="none" strike="noStrike" kern="1200" cap="none" spc="0" normalizeH="0" baseline="0" noProof="0" smtClean="0">
@@ -7610,8 +7595,8 @@
         </p:nvSpPr>
         <p:spPr bwMode="auto">
           <a:xfrm>
-            <a:off x="8349698" y="6553200"/>
-            <a:ext cx="794308" cy="246221"/>
+            <a:off x="8390337" y="6553200"/>
+            <a:ext cx="753669" cy="246221"/>
           </a:xfrm>
           <a:prstGeom prst="rect">
             <a:avLst/>
@@ -7683,7 +7668,7 @@
                 <a:ea typeface="+mn-ea"/>
                 <a:cs typeface="+mn-cs"/>
               </a:rPr>
-              <a:t> 7W.</a:t>
+              <a:t> 5M.</a:t>
             </a:r>
             <a:fld id="{B5B77044-B6D2-4171-A09C-C512413DA1DA}" type="slidenum">
               <a:rPr kumimoji="0" lang="en-US" sz="1000" b="0" i="0" u="none" strike="noStrike" kern="1200" cap="none" spc="0" normalizeH="0" baseline="0" noProof="0" smtClean="0">
@@ -7945,8 +7930,8 @@
         </p:nvSpPr>
         <p:spPr bwMode="auto">
           <a:xfrm>
-            <a:off x="8349698" y="6553200"/>
-            <a:ext cx="794308" cy="246221"/>
+            <a:off x="8390337" y="6553200"/>
+            <a:ext cx="753669" cy="246221"/>
           </a:xfrm>
           <a:prstGeom prst="rect">
             <a:avLst/>
@@ -8018,7 +8003,7 @@
                 <a:ea typeface="+mn-ea"/>
                 <a:cs typeface="+mn-cs"/>
               </a:rPr>
-              <a:t> 7W.</a:t>
+              <a:t> 5M.</a:t>
             </a:r>
             <a:fld id="{B5B77044-B6D2-4171-A09C-C512413DA1DA}" type="slidenum">
               <a:rPr kumimoji="0" lang="en-US" sz="1000" b="0" i="0" u="none" strike="noStrike" kern="1200" cap="none" spc="0" normalizeH="0" baseline="0" noProof="0" smtClean="0">
@@ -8167,8 +8152,8 @@
         </p:nvSpPr>
         <p:spPr bwMode="auto">
           <a:xfrm>
-            <a:off x="8349698" y="6553200"/>
-            <a:ext cx="794308" cy="246221"/>
+            <a:off x="8390337" y="6553200"/>
+            <a:ext cx="753669" cy="246221"/>
           </a:xfrm>
           <a:prstGeom prst="rect">
             <a:avLst/>
@@ -8240,7 +8225,7 @@
                 <a:ea typeface="+mn-ea"/>
                 <a:cs typeface="+mn-cs"/>
               </a:rPr>
-              <a:t> 7W.</a:t>
+              <a:t> 5M.</a:t>
             </a:r>
             <a:fld id="{B5B77044-B6D2-4171-A09C-C512413DA1DA}" type="slidenum">
               <a:rPr kumimoji="0" lang="en-US" sz="1000" b="0" i="0" u="none" strike="noStrike" kern="1200" cap="none" spc="0" normalizeH="0" baseline="0" noProof="0" smtClean="0">
@@ -9291,8 +9276,8 @@
         </p:nvSpPr>
         <p:spPr bwMode="auto">
           <a:xfrm>
-            <a:off x="8427970" y="6553200"/>
-            <a:ext cx="716036" cy="246221"/>
+            <a:off x="8390337" y="6553200"/>
+            <a:ext cx="753669" cy="246221"/>
           </a:xfrm>
           <a:prstGeom prst="rect">
             <a:avLst/>
@@ -9364,7 +9349,7 @@
                 <a:ea typeface="+mn-ea"/>
                 <a:cs typeface="+mn-cs"/>
               </a:rPr>
-              <a:t> 7W.</a:t>
+              <a:t> 5M.</a:t>
             </a:r>
             <a:fld id="{B5B77044-B6D2-4171-A09C-C512413DA1DA}" type="slidenum">
               <a:rPr kumimoji="0" lang="en-US" sz="1000" b="0" i="0" u="none" strike="noStrike" kern="1200" cap="none" spc="0" normalizeH="0" baseline="0" noProof="0" smtClean="0">
@@ -9785,8 +9770,8 @@
         </p:nvSpPr>
         <p:spPr bwMode="auto">
           <a:xfrm>
-            <a:off x="8427970" y="6553200"/>
-            <a:ext cx="716036" cy="246221"/>
+            <a:off x="8390337" y="6553200"/>
+            <a:ext cx="753669" cy="246221"/>
           </a:xfrm>
           <a:prstGeom prst="rect">
             <a:avLst/>
@@ -9858,7 +9843,7 @@
                 <a:ea typeface="+mn-ea"/>
                 <a:cs typeface="+mn-cs"/>
               </a:rPr>
-              <a:t> 7W.</a:t>
+              <a:t> 5M.</a:t>
             </a:r>
             <a:fld id="{B5B77044-B6D2-4171-A09C-C512413DA1DA}" type="slidenum">
               <a:rPr kumimoji="0" lang="en-US" sz="1000" b="0" i="0" u="none" strike="noStrike" kern="1200" cap="none" spc="0" normalizeH="0" baseline="0" noProof="0" smtClean="0">
@@ -10444,8 +10429,8 @@
         </p:nvSpPr>
         <p:spPr bwMode="auto">
           <a:xfrm>
-            <a:off x="8427970" y="6553200"/>
-            <a:ext cx="716036" cy="246221"/>
+            <a:off x="8390337" y="6553200"/>
+            <a:ext cx="753669" cy="246221"/>
           </a:xfrm>
           <a:prstGeom prst="rect">
             <a:avLst/>
@@ -10517,7 +10502,7 @@
                 <a:ea typeface="+mn-ea"/>
                 <a:cs typeface="+mn-cs"/>
               </a:rPr>
-              <a:t> 7W.</a:t>
+              <a:t> 5M.</a:t>
             </a:r>
             <a:fld id="{B5B77044-B6D2-4171-A09C-C512413DA1DA}" type="slidenum">
               <a:rPr kumimoji="0" lang="en-US" sz="1000" b="0" i="0" u="none" strike="noStrike" kern="1200" cap="none" spc="0" normalizeH="0" baseline="0" noProof="0" smtClean="0">
@@ -11999,7 +11984,7 @@
                 <a:ea typeface="+mn-ea"/>
                 <a:cs typeface="+mn-cs"/>
               </a:rPr>
-              <a:t> 7W.</a:t>
+              <a:t> 5M.</a:t>
             </a:r>
             <a:fld id="{B5B77044-B6D2-4171-A09C-C512413DA1DA}" type="slidenum">
               <a:rPr kumimoji="0" lang="en-US" sz="1000" b="0" i="0" u="none" strike="noStrike" kern="1200" cap="none" spc="0" normalizeH="0" baseline="0" noProof="0" smtClean="0">
@@ -12849,7 +12834,7 @@
                 <a:ea typeface="+mn-ea"/>
                 <a:cs typeface="+mn-cs"/>
               </a:rPr>
-              <a:t> 7W.</a:t>
+              <a:t> 5M.</a:t>
             </a:r>
             <a:fld id="{B5B77044-B6D2-4171-A09C-C512413DA1DA}" type="slidenum">
               <a:rPr kumimoji="0" lang="en-US" sz="1000" b="0" i="0" u="none" strike="noStrike" kern="1200" cap="none" spc="0" normalizeH="0" baseline="0" noProof="0" smtClean="0">
@@ -13240,7 +13225,7 @@
             </a:r>
             <a:r>
               <a:rPr lang="en-US" dirty="0" smtClean="0"/>
-              <a:t> 7W.</a:t>
+              <a:t> 5M.</a:t>
             </a:r>
             <a:fld id="{B5B77044-B6D2-4171-A09C-C512413DA1DA}" type="slidenum">
               <a:rPr lang="en-US" smtClean="0"/>
@@ -13272,7 +13257,7 @@
           <a:lstStyle/>
           <a:p>
             <a:r>
-              <a:rPr lang="en-US" dirty="0" smtClean="0"/>
+              <a:rPr lang="en-US" smtClean="0"/>
               <a:t>Digraphs</a:t>
             </a:r>
             <a:endParaRPr lang="en-US" dirty="0"/>
@@ -14385,7 +14370,7 @@
                 <a:ea typeface="+mn-ea"/>
                 <a:cs typeface="+mn-cs"/>
               </a:rPr>
-              <a:t> 7W.</a:t>
+              <a:t> 5M.</a:t>
             </a:r>
             <a:fld id="{B5B77044-B6D2-4171-A09C-C512413DA1DA}" type="slidenum">
               <a:rPr kumimoji="0" lang="en-US" sz="1000" b="0" i="0" u="none" strike="noStrike" kern="1200" cap="none" spc="0" normalizeH="0" baseline="0" noProof="0" smtClean="0">
@@ -16235,7 +16220,7 @@
             </a:avLst>
           </a:prstGeom>
           <a:noFill/>
-          <a:ln w="31750" cap="flat" cmpd="sng" algn="ctr">
+          <a:ln w="44450" cap="flat" cmpd="sng" algn="ctr">
             <a:solidFill>
               <a:schemeClr val="accent1">
                 <a:lumMod val="50000"/>
@@ -16332,7 +16317,7 @@
                 <a:ea typeface="+mn-ea"/>
                 <a:cs typeface="+mn-cs"/>
               </a:rPr>
-              <a:t> 7W.</a:t>
+              <a:t> 5M.</a:t>
             </a:r>
             <a:fld id="{B5B77044-B6D2-4171-A09C-C512413DA1DA}" type="slidenum">
               <a:rPr kumimoji="0" lang="en-US" sz="1000" b="0" i="0" u="none" strike="noStrike" kern="1200" cap="none" spc="0" normalizeH="0" baseline="0" noProof="0" smtClean="0">
@@ -17155,7 +17140,7 @@
                 <a:ea typeface="+mn-ea"/>
                 <a:cs typeface="+mn-cs"/>
               </a:rPr>
-              <a:t> 7W.</a:t>
+              <a:t> 5M.</a:t>
             </a:r>
             <a:fld id="{B5B77044-B6D2-4171-A09C-C512413DA1DA}" type="slidenum">
               <a:rPr kumimoji="0" lang="en-US" sz="1000" b="0" i="0" u="none" strike="noStrike" kern="1200" cap="none" spc="0" normalizeH="0" baseline="0" noProof="0" smtClean="0">
@@ -17819,7 +17804,7 @@
                 <a:ea typeface="+mn-ea"/>
                 <a:cs typeface="+mn-cs"/>
               </a:rPr>
-              <a:t> 7W.</a:t>
+              <a:t> 5M.</a:t>
             </a:r>
             <a:fld id="{B5B77044-B6D2-4171-A09C-C512413DA1DA}" type="slidenum">
               <a:rPr kumimoji="0" lang="en-US" sz="1000" b="0" i="0" u="none" strike="noStrike" kern="1200" cap="none" spc="0" normalizeH="0" baseline="0" noProof="0" smtClean="0">
@@ -19055,7 +19040,7 @@
                 <a:ea typeface="+mn-ea"/>
                 <a:cs typeface="+mn-cs"/>
               </a:rPr>
-              <a:t> 7W.</a:t>
+              <a:t> 5M.</a:t>
             </a:r>
             <a:fld id="{B5B77044-B6D2-4171-A09C-C512413DA1DA}" type="slidenum">
               <a:rPr kumimoji="0" lang="en-US" sz="1000" b="0" i="0" u="none" strike="noStrike" kern="1200" cap="none" spc="0" normalizeH="0" baseline="0" noProof="0" smtClean="0">
@@ -20963,7 +20948,7 @@
                 <a:ea typeface="+mn-ea"/>
                 <a:cs typeface="+mn-cs"/>
               </a:rPr>
-              <a:t> 7W.</a:t>
+              <a:t> 5M.</a:t>
             </a:r>
             <a:fld id="{B5B77044-B6D2-4171-A09C-C512413DA1DA}" type="slidenum">
               <a:rPr kumimoji="0" lang="en-US" sz="1000" b="0" i="0" u="none" strike="noStrike" kern="1200" cap="none" spc="0" normalizeH="0" baseline="0" noProof="0" smtClean="0">
@@ -21949,7 +21934,22 @@
             <a:pPr algn="ctr"/>
             <a:r>
               <a:rPr lang="en-US" sz="9600" dirty="0" smtClean="0"/>
-              <a:t>1 &amp; 2</a:t>
+              <a:t>1</a:t>
+            </a:r>
+            <a:r>
+              <a:rPr lang="en-US" sz="9600" dirty="0" smtClean="0"/>
+              <a:t> </a:t>
+            </a:r>
+            <a:r>
+              <a:rPr lang="en-US" sz="9600" dirty="0" smtClean="0">
+                <a:latin typeface="Euclid Symbol" charset="2"/>
+                <a:cs typeface="Euclid Symbol" charset="2"/>
+              </a:rPr>
+              <a:t>-</a:t>
+            </a:r>
+            <a:r>
+              <a:rPr lang="en-US" sz="9600" dirty="0" smtClean="0"/>
+              <a:t> 3</a:t>
             </a:r>
             <a:endParaRPr lang="en-US" sz="9600" dirty="0"/>
           </a:p>
@@ -21965,7 +21965,12 @@
             <p:ph type="sldNum" sz="quarter" idx="4"/>
           </p:nvPr>
         </p:nvSpPr>
-        <p:spPr/>
+        <p:spPr>
+          <a:xfrm>
+            <a:off x="8322169" y="6553200"/>
+            <a:ext cx="774208" cy="246221"/>
+          </a:xfrm>
+        </p:spPr>
         <p:txBody>
           <a:bodyPr/>
           <a:lstStyle/>
@@ -21979,7 +21984,7 @@
             </a:r>
             <a:r>
               <a:rPr lang="en-US" dirty="0" smtClean="0"/>
-              <a:t> 7W.</a:t>
+              <a:t> 5M.</a:t>
             </a:r>
             <a:fld id="{D7F2FC53-1536-41A9-A9C1-2199CF803E30}" type="slidenum">
               <a:rPr lang="en-US" smtClean="0"/>
@@ -22423,7 +22428,7 @@
                 <a:ea typeface="+mn-ea"/>
                 <a:cs typeface="+mn-cs"/>
               </a:rPr>
-              <a:t> 7W.</a:t>
+              <a:t> 5M.</a:t>
             </a:r>
             <a:fld id="{B5B77044-B6D2-4171-A09C-C512413DA1DA}" type="slidenum">
               <a:rPr kumimoji="0" lang="en-US" sz="1000" b="0" i="0" u="none" strike="noStrike" kern="1200" cap="none" spc="0" normalizeH="0" baseline="0" noProof="0" smtClean="0">
@@ -23274,7 +23279,7 @@
                 <a:ea typeface="+mn-ea"/>
                 <a:cs typeface="+mn-cs"/>
               </a:rPr>
-              <a:t> 7W.</a:t>
+              <a:t> 5M.</a:t>
             </a:r>
             <a:fld id="{B5B77044-B6D2-4171-A09C-C512413DA1DA}" type="slidenum">
               <a:rPr kumimoji="0" lang="en-US" sz="1000" b="0" i="0" u="none" strike="noStrike" kern="1200" cap="none" spc="0" normalizeH="0" baseline="0" noProof="0" smtClean="0">
@@ -23877,7 +23882,7 @@
                 <a:ea typeface="+mn-ea"/>
                 <a:cs typeface="+mn-cs"/>
               </a:rPr>
-              <a:t> 7W.</a:t>
+              <a:t> 5M.</a:t>
             </a:r>
             <a:fld id="{B5B77044-B6D2-4171-A09C-C512413DA1DA}" type="slidenum">
               <a:rPr kumimoji="0" lang="en-US" sz="1000" b="0" i="0" u="none" strike="noStrike" kern="1200" cap="none" spc="0" normalizeH="0" baseline="0" noProof="0" smtClean="0">
@@ -24577,7 +24582,7 @@
             </a:r>
             <a:r>
               <a:rPr lang="en-US" dirty="0" smtClean="0"/>
-              <a:t> 7W.</a:t>
+              <a:t> 5M.</a:t>
             </a:r>
             <a:fld id="{B5B77044-B6D2-4171-A09C-C512413DA1DA}" type="slidenum">
               <a:rPr lang="en-US" smtClean="0"/>
@@ -25734,7 +25739,7 @@
                 <a:ea typeface="+mn-ea"/>
                 <a:cs typeface="+mn-cs"/>
               </a:rPr>
-              <a:t> 7W.</a:t>
+              <a:t> 5M.</a:t>
             </a:r>
             <a:fld id="{B5B77044-B6D2-4171-A09C-C512413DA1DA}" type="slidenum">
               <a:rPr kumimoji="0" lang="en-US" sz="1000" b="0" i="0" u="none" strike="noStrike" kern="1200" cap="none" spc="0" normalizeH="0" baseline="0" noProof="0" smtClean="0">
@@ -26626,7 +26631,7 @@
                 <a:ea typeface="+mn-ea"/>
                 <a:cs typeface="+mn-cs"/>
               </a:rPr>
-              <a:t> 7W.</a:t>
+              <a:t> 5M.</a:t>
             </a:r>
             <a:fld id="{B5B77044-B6D2-4171-A09C-C512413DA1DA}" type="slidenum">
               <a:rPr kumimoji="0" lang="en-US" sz="1000" b="0" i="0" u="none" strike="noStrike" kern="1200" cap="none" spc="0" normalizeH="0" baseline="0" noProof="0" smtClean="0">
@@ -27723,7 +27728,7 @@
                 <a:ea typeface="+mn-ea"/>
                 <a:cs typeface="+mn-cs"/>
               </a:rPr>
-              <a:t> 7W.</a:t>
+              <a:t> 5M.</a:t>
             </a:r>
             <a:fld id="{B5B77044-B6D2-4171-A09C-C512413DA1DA}" type="slidenum">
               <a:rPr kumimoji="0" lang="en-US" sz="1000" b="0" i="0" u="none" strike="noStrike" kern="1200" cap="none" spc="0" normalizeH="0" baseline="0" noProof="0" smtClean="0">
@@ -29034,7 +29039,7 @@
                 <a:ea typeface="+mn-ea"/>
                 <a:cs typeface="+mn-cs"/>
               </a:rPr>
-              <a:t> 7W.</a:t>
+              <a:t> 5M.</a:t>
             </a:r>
             <a:fld id="{B5B77044-B6D2-4171-A09C-C512413DA1DA}" type="slidenum">
               <a:rPr kumimoji="0" lang="en-US" sz="1000" b="0" i="0" u="none" strike="noStrike" kern="1200" cap="none" spc="0" normalizeH="0" baseline="0" noProof="0" smtClean="0">
@@ -30369,7 +30374,7 @@
                 <a:ea typeface="+mn-ea"/>
                 <a:cs typeface="+mn-cs"/>
               </a:rPr>
-              <a:t> 7W.</a:t>
+              <a:t> 5M.</a:t>
             </a:r>
             <a:fld id="{B5B77044-B6D2-4171-A09C-C512413DA1DA}" type="slidenum">
               <a:rPr kumimoji="0" lang="en-US" sz="1000" b="0" i="0" u="none" strike="noStrike" kern="1200" cap="none" spc="0" normalizeH="0" baseline="0" noProof="0" smtClean="0">
@@ -31348,7 +31353,7 @@
                 <a:ea typeface="+mn-ea"/>
                 <a:cs typeface="+mn-cs"/>
               </a:rPr>
-              <a:t> 7W.</a:t>
+              <a:t> 5M.</a:t>
             </a:r>
             <a:fld id="{B5B77044-B6D2-4171-A09C-C512413DA1DA}" type="slidenum">
               <a:rPr kumimoji="0" lang="en-US" sz="1000" b="0" i="0" u="none" strike="noStrike" kern="1200" cap="none" spc="0" normalizeH="0" baseline="0" noProof="0" smtClean="0">
@@ -32654,7 +32659,7 @@
                 <a:ea typeface="+mn-ea"/>
                 <a:cs typeface="+mn-cs"/>
               </a:rPr>
-              <a:t> 7W.</a:t>
+              <a:t> 5M.</a:t>
             </a:r>
             <a:fld id="{B5B77044-B6D2-4171-A09C-C512413DA1DA}" type="slidenum">
               <a:rPr kumimoji="0" lang="en-US" sz="1000" b="0" i="0" u="none" strike="noStrike" kern="1200" cap="none" spc="0" normalizeH="0" baseline="0" noProof="0" smtClean="0">
@@ -34149,7 +34154,7 @@
                 <a:ea typeface="+mn-ea"/>
                 <a:cs typeface="+mn-cs"/>
               </a:rPr>
-              <a:t> 7W.</a:t>
+              <a:t> 5M.</a:t>
             </a:r>
             <a:fld id="{B5B77044-B6D2-4171-A09C-C512413DA1DA}" type="slidenum">
               <a:rPr kumimoji="0" lang="en-US" sz="1000" b="0" i="0" u="none" strike="noStrike" kern="1200" cap="none" spc="0" normalizeH="0" baseline="0" noProof="0" smtClean="0">
@@ -34408,7 +34413,7 @@
             </a:r>
             <a:r>
               <a:rPr lang="en-US" dirty="0" smtClean="0"/>
-              <a:t> 7W.</a:t>
+              <a:t> 5M.</a:t>
             </a:r>
             <a:fld id="{B5B77044-B6D2-4171-A09C-C512413DA1DA}" type="slidenum">
               <a:rPr lang="en-US" smtClean="0"/>
@@ -34461,7 +34466,7 @@
 </file>
 
 <file path=ppt/slides/slide5.xml><?xml version="1.0" encoding="utf-8"?>
-<p:sld xmlns:a="http://schemas.openxmlformats.org/drawingml/2006/main" xmlns:r="http://schemas.openxmlformats.org/officeDocument/2006/relationships" xmlns:mc="http://schemas.openxmlformats.org/markup-compatibility/2006" xmlns:mv="urn:schemas-microsoft-com:mac:vml" xmlns:p="http://schemas.openxmlformats.org/presentationml/2006/main" mc:Ignorable="mv" mc:PreserveAttributes="mv:*">
+<p:sld xmlns:a="http://schemas.openxmlformats.org/drawingml/2006/main" xmlns:r="http://schemas.openxmlformats.org/officeDocument/2006/relationships" xmlns:mc="http://schemas.openxmlformats.org/markup-compatibility/2006" xmlns:mv="urn:schemas-microsoft-com:mac:vml" xmlns:p="http://schemas.openxmlformats.org/presentationml/2006/main" mc:Ignorable="mv" mc:PreserveAttributes="mv:*" show="0">
   <p:cSld>
     <p:spTree>
       <p:nvGrpSpPr>
@@ -35314,7 +35319,7 @@
             </a:r>
             <a:r>
               <a:rPr lang="en-US" dirty="0" smtClean="0"/>
-              <a:t> 7W.</a:t>
+              <a:t> 5M.</a:t>
             </a:r>
             <a:fld id="{B5B77044-B6D2-4171-A09C-C512413DA1DA}" type="slidenum">
               <a:rPr lang="en-US" smtClean="0"/>
@@ -38592,7 +38597,7 @@
             </a:r>
             <a:r>
               <a:rPr lang="en-US" dirty="0" smtClean="0"/>
-              <a:t> 7W.</a:t>
+              <a:t> 5M.</a:t>
             </a:r>
             <a:fld id="{B5B77044-B6D2-4171-A09C-C512413DA1DA}" type="slidenum">
               <a:rPr lang="en-US" smtClean="0"/>
@@ -40115,8 +40120,8 @@
         </p:nvSpPr>
         <p:spPr bwMode="auto">
           <a:xfrm>
-            <a:off x="8349698" y="6553200"/>
-            <a:ext cx="794308" cy="246221"/>
+            <a:off x="8446379" y="6553200"/>
+            <a:ext cx="697627" cy="246221"/>
           </a:xfrm>
           <a:prstGeom prst="rect">
             <a:avLst/>
@@ -40188,7 +40193,7 @@
                 <a:ea typeface="+mn-ea"/>
                 <a:cs typeface="+mn-cs"/>
               </a:rPr>
-              <a:t> 7W.</a:t>
+              <a:t> 5M.</a:t>
             </a:r>
             <a:fld id="{B5B77044-B6D2-4171-A09C-C512413DA1DA}" type="slidenum">
               <a:rPr kumimoji="0" lang="en-US" sz="1000" b="0" i="0" u="none" strike="noStrike" kern="1200" cap="none" spc="0" normalizeH="0" baseline="0" noProof="0" smtClean="0">
@@ -41488,8 +41493,8 @@
         </p:nvSpPr>
         <p:spPr bwMode="auto">
           <a:xfrm>
-            <a:off x="8349698" y="6553200"/>
-            <a:ext cx="794308" cy="246221"/>
+            <a:off x="8448070" y="6553200"/>
+            <a:ext cx="695936" cy="246221"/>
           </a:xfrm>
           <a:prstGeom prst="rect">
             <a:avLst/>
@@ -41561,7 +41566,7 @@
                 <a:ea typeface="+mn-ea"/>
                 <a:cs typeface="+mn-cs"/>
               </a:rPr>
-              <a:t> 7W.</a:t>
+              <a:t> 5M.</a:t>
             </a:r>
             <a:fld id="{B5B77044-B6D2-4171-A09C-C512413DA1DA}" type="slidenum">
               <a:rPr kumimoji="0" lang="en-US" sz="1000" b="0" i="0" u="none" strike="noStrike" kern="1200" cap="none" spc="0" normalizeH="0" baseline="0" noProof="0" smtClean="0">
@@ -43213,8 +43218,8 @@
         </p:nvSpPr>
         <p:spPr bwMode="auto">
           <a:xfrm>
-            <a:off x="8349698" y="6553200"/>
-            <a:ext cx="794308" cy="246221"/>
+            <a:off x="8448070" y="6553200"/>
+            <a:ext cx="695936" cy="246221"/>
           </a:xfrm>
           <a:prstGeom prst="rect">
             <a:avLst/>
@@ -43286,7 +43291,7 @@
                 <a:ea typeface="+mn-ea"/>
                 <a:cs typeface="+mn-cs"/>
               </a:rPr>
-              <a:t> 7W.</a:t>
+              <a:t> 5M.</a:t>
             </a:r>
             <a:fld id="{B5B77044-B6D2-4171-A09C-C512413DA1DA}" type="slidenum">
               <a:rPr kumimoji="0" lang="en-US" sz="1000" b="0" i="0" u="none" strike="noStrike" kern="1200" cap="none" spc="0" normalizeH="0" baseline="0" noProof="0" smtClean="0">
